--- a/reports/supervisor_meeting_update/meeting_presentation_2022-11-23.pptx
+++ b/reports/supervisor_meeting_update/meeting_presentation_2022-11-23.pptx
@@ -16,6 +16,7 @@
     <p:sldId id="267" r:id="rId10"/>
     <p:sldId id="259" r:id="rId11"/>
     <p:sldId id="261" r:id="rId12"/>
+    <p:sldId id="270" r:id="rId13"/>
   </p:sldIdLst>
   <p:sldSz cx="12192000" cy="6858000"/>
   <p:notesSz cx="6858000" cy="9144000"/>
@@ -269,7 +270,7 @@
           <a:p>
             <a:fld id="{9D7C5EE8-FC57-E847-8FFA-03DADD6D7542}" type="datetimeFigureOut">
               <a:rPr lang="en-GB" smtClean="0"/>
-              <a:t>23/11/2022</a:t>
+              <a:t>24/11/2022</a:t>
             </a:fld>
             <a:endParaRPr lang="en-GB"/>
           </a:p>
@@ -467,7 +468,7 @@
           <a:p>
             <a:fld id="{9D7C5EE8-FC57-E847-8FFA-03DADD6D7542}" type="datetimeFigureOut">
               <a:rPr lang="en-GB" smtClean="0"/>
-              <a:t>23/11/2022</a:t>
+              <a:t>24/11/2022</a:t>
             </a:fld>
             <a:endParaRPr lang="en-GB"/>
           </a:p>
@@ -675,7 +676,7 @@
           <a:p>
             <a:fld id="{9D7C5EE8-FC57-E847-8FFA-03DADD6D7542}" type="datetimeFigureOut">
               <a:rPr lang="en-GB" smtClean="0"/>
-              <a:t>23/11/2022</a:t>
+              <a:t>24/11/2022</a:t>
             </a:fld>
             <a:endParaRPr lang="en-GB"/>
           </a:p>
@@ -873,7 +874,7 @@
           <a:p>
             <a:fld id="{9D7C5EE8-FC57-E847-8FFA-03DADD6D7542}" type="datetimeFigureOut">
               <a:rPr lang="en-GB" smtClean="0"/>
-              <a:t>23/11/2022</a:t>
+              <a:t>24/11/2022</a:t>
             </a:fld>
             <a:endParaRPr lang="en-GB"/>
           </a:p>
@@ -1148,7 +1149,7 @@
           <a:p>
             <a:fld id="{9D7C5EE8-FC57-E847-8FFA-03DADD6D7542}" type="datetimeFigureOut">
               <a:rPr lang="en-GB" smtClean="0"/>
-              <a:t>23/11/2022</a:t>
+              <a:t>24/11/2022</a:t>
             </a:fld>
             <a:endParaRPr lang="en-GB"/>
           </a:p>
@@ -1413,7 +1414,7 @@
           <a:p>
             <a:fld id="{9D7C5EE8-FC57-E847-8FFA-03DADD6D7542}" type="datetimeFigureOut">
               <a:rPr lang="en-GB" smtClean="0"/>
-              <a:t>23/11/2022</a:t>
+              <a:t>24/11/2022</a:t>
             </a:fld>
             <a:endParaRPr lang="en-GB"/>
           </a:p>
@@ -1825,7 +1826,7 @@
           <a:p>
             <a:fld id="{9D7C5EE8-FC57-E847-8FFA-03DADD6D7542}" type="datetimeFigureOut">
               <a:rPr lang="en-GB" smtClean="0"/>
-              <a:t>23/11/2022</a:t>
+              <a:t>24/11/2022</a:t>
             </a:fld>
             <a:endParaRPr lang="en-GB"/>
           </a:p>
@@ -1966,7 +1967,7 @@
           <a:p>
             <a:fld id="{9D7C5EE8-FC57-E847-8FFA-03DADD6D7542}" type="datetimeFigureOut">
               <a:rPr lang="en-GB" smtClean="0"/>
-              <a:t>23/11/2022</a:t>
+              <a:t>24/11/2022</a:t>
             </a:fld>
             <a:endParaRPr lang="en-GB"/>
           </a:p>
@@ -2079,7 +2080,7 @@
           <a:p>
             <a:fld id="{9D7C5EE8-FC57-E847-8FFA-03DADD6D7542}" type="datetimeFigureOut">
               <a:rPr lang="en-GB" smtClean="0"/>
-              <a:t>23/11/2022</a:t>
+              <a:t>24/11/2022</a:t>
             </a:fld>
             <a:endParaRPr lang="en-GB"/>
           </a:p>
@@ -2390,7 +2391,7 @@
           <a:p>
             <a:fld id="{9D7C5EE8-FC57-E847-8FFA-03DADD6D7542}" type="datetimeFigureOut">
               <a:rPr lang="en-GB" smtClean="0"/>
-              <a:t>23/11/2022</a:t>
+              <a:t>24/11/2022</a:t>
             </a:fld>
             <a:endParaRPr lang="en-GB"/>
           </a:p>
@@ -2678,7 +2679,7 @@
           <a:p>
             <a:fld id="{9D7C5EE8-FC57-E847-8FFA-03DADD6D7542}" type="datetimeFigureOut">
               <a:rPr lang="en-GB" smtClean="0"/>
-              <a:t>23/11/2022</a:t>
+              <a:t>24/11/2022</a:t>
             </a:fld>
             <a:endParaRPr lang="en-GB"/>
           </a:p>
@@ -2919,7 +2920,7 @@
           <a:p>
             <a:fld id="{9D7C5EE8-FC57-E847-8FFA-03DADD6D7542}" type="datetimeFigureOut">
               <a:rPr lang="en-GB" smtClean="0"/>
-              <a:t>23/11/2022</a:t>
+              <a:t>24/11/2022</a:t>
             </a:fld>
             <a:endParaRPr lang="en-GB"/>
           </a:p>
@@ -3714,6 +3715,110 @@
 </p:sld>
 </file>
 
+<file path=ppt/slides/slide12.xml><?xml version="1.0" encoding="utf-8"?>
+<p:sld xmlns:a="http://schemas.openxmlformats.org/drawingml/2006/main" xmlns:r="http://schemas.openxmlformats.org/officeDocument/2006/relationships" xmlns:p="http://schemas.openxmlformats.org/presentationml/2006/main">
+  <p:cSld>
+    <p:spTree>
+      <p:nvGrpSpPr>
+        <p:cNvPr id="1" name=""/>
+        <p:cNvGrpSpPr/>
+        <p:nvPr/>
+      </p:nvGrpSpPr>
+      <p:grpSpPr>
+        <a:xfrm>
+          <a:off x="0" y="0"/>
+          <a:ext cx="0" cy="0"/>
+          <a:chOff x="0" y="0"/>
+          <a:chExt cx="0" cy="0"/>
+        </a:xfrm>
+      </p:grpSpPr>
+      <p:sp>
+        <p:nvSpPr>
+          <p:cNvPr id="2" name="Title 1">
+            <a:extLst>
+              <a:ext uri="{FF2B5EF4-FFF2-40B4-BE49-F238E27FC236}">
+                <a16:creationId xmlns:a16="http://schemas.microsoft.com/office/drawing/2014/main" id="{9DD0B648-B05C-18B7-E7FE-5F97215EF8E1}"/>
+              </a:ext>
+            </a:extLst>
+          </p:cNvPr>
+          <p:cNvSpPr>
+            <a:spLocks noGrp="1"/>
+          </p:cNvSpPr>
+          <p:nvPr>
+            <p:ph type="title"/>
+          </p:nvPr>
+        </p:nvSpPr>
+        <p:spPr/>
+        <p:txBody>
+          <a:bodyPr/>
+          <a:lstStyle/>
+          <a:p>
+            <a:r>
+              <a:rPr lang="en-GB" dirty="0"/>
+              <a:t>Other news</a:t>
+            </a:r>
+          </a:p>
+        </p:txBody>
+      </p:sp>
+      <p:sp>
+        <p:nvSpPr>
+          <p:cNvPr id="3" name="Content Placeholder 2">
+            <a:extLst>
+              <a:ext uri="{FF2B5EF4-FFF2-40B4-BE49-F238E27FC236}">
+                <a16:creationId xmlns:a16="http://schemas.microsoft.com/office/drawing/2014/main" id="{55427505-BBEF-18C0-EAE1-E156C771250F}"/>
+              </a:ext>
+            </a:extLst>
+          </p:cNvPr>
+          <p:cNvSpPr>
+            <a:spLocks noGrp="1"/>
+          </p:cNvSpPr>
+          <p:nvPr>
+            <p:ph idx="1"/>
+          </p:nvPr>
+        </p:nvSpPr>
+        <p:spPr/>
+        <p:txBody>
+          <a:bodyPr/>
+          <a:lstStyle/>
+          <a:p>
+            <a:r>
+              <a:rPr lang="en-GB" dirty="0"/>
+              <a:t>Samples don’t appear to have been shipped by Rashid. Meeting planned for Monday to have general discussion about ongoing work.</a:t>
+            </a:r>
+          </a:p>
+          <a:p>
+            <a:r>
+              <a:rPr lang="en-GB" dirty="0"/>
+              <a:t>Discussion with Javier, he will explore additional funding to support trip to SL in February, currently to use PhD funds. </a:t>
+            </a:r>
+          </a:p>
+          <a:p>
+            <a:r>
+              <a:rPr lang="en-GB" dirty="0"/>
+              <a:t>Will need to get further ELISA and DNA extraction out to SL. Have some PCR reagents in freezer at RVC, either ship in February with UCL. If Debby able to include with her shipments may also work.</a:t>
+            </a:r>
+          </a:p>
+          <a:p>
+            <a:r>
+              <a:rPr lang="en-GB" dirty="0"/>
+              <a:t>Invited and funded to attend transmissible vaccine workshop. </a:t>
+            </a:r>
+          </a:p>
+        </p:txBody>
+      </p:sp>
+    </p:spTree>
+    <p:extLst>
+      <p:ext uri="{BB962C8B-B14F-4D97-AF65-F5344CB8AC3E}">
+        <p14:creationId xmlns:p14="http://schemas.microsoft.com/office/powerpoint/2010/main" val="2390603212"/>
+      </p:ext>
+    </p:extLst>
+  </p:cSld>
+  <p:clrMapOvr>
+    <a:masterClrMapping/>
+  </p:clrMapOvr>
+</p:sld>
+</file>
+
 <file path=ppt/slides/slide2.xml><?xml version="1.0" encoding="utf-8"?>
 <p:sld xmlns:a="http://schemas.openxmlformats.org/drawingml/2006/main" xmlns:r="http://schemas.openxmlformats.org/officeDocument/2006/relationships" xmlns:p="http://schemas.openxmlformats.org/presentationml/2006/main">
   <p:cSld>
@@ -4081,23 +4186,7 @@
             <a:pPr lvl="1"/>
             <a:r>
               <a:rPr lang="en-GB" sz="1500" dirty="0"/>
-              <a:t>Can the incorporation of land use type and the structure of rodent species assemblages contribute to our understanding of </a:t>
-            </a:r>
-            <a:r>
-              <a:rPr lang="en-GB" sz="1500" i="1" dirty="0"/>
-              <a:t>Lassa </a:t>
-            </a:r>
-            <a:r>
-              <a:rPr lang="en-GB" sz="1500" i="1" dirty="0" err="1"/>
-              <a:t>mammarenavirus</a:t>
-            </a:r>
-            <a:r>
-              <a:rPr lang="en-GB" sz="1500" i="1" dirty="0"/>
-              <a:t> </a:t>
-            </a:r>
-            <a:r>
-              <a:rPr lang="en-GB" sz="1500" dirty="0"/>
-              <a:t>transmission dynamics in a Lassa fever endemic region of Sierra Leone? </a:t>
+              <a:t>TBC</a:t>
             </a:r>
           </a:p>
           <a:p>
@@ -4567,6 +4656,12 @@
               <a:t>Finalising network structure</a:t>
             </a:r>
           </a:p>
+          <a:p>
+            <a:r>
+              <a:rPr lang="en-GB" dirty="0"/>
+              <a:t>Continuing to write chapter</a:t>
+            </a:r>
+          </a:p>
         </p:txBody>
       </p:sp>
     </p:spTree>
@@ -4661,21 +4756,28 @@
           <a:p>
             <a:r>
               <a:rPr lang="en-GB" dirty="0"/>
-              <a:t>Currently undecided between two options:</a:t>
+              <a:t>Currently undecided between three options:</a:t>
             </a:r>
           </a:p>
           <a:p>
             <a:pPr lvl="1"/>
             <a:r>
               <a:rPr lang="en-GB" dirty="0"/>
-              <a:t>1: A mathematical model of rodent population dynamics in different land use types in Eastern Sierra Leone and how this may impact the hazard of Lassa Fever spillover into local populations</a:t>
+              <a:t>1: A mathematical model of rodent population dynamics in different land use types in Eastern Sierra Leone and how this may impact the hazard of Lassa Fever spillover into local populations.</a:t>
             </a:r>
           </a:p>
           <a:p>
             <a:pPr lvl="1"/>
             <a:r>
               <a:rPr lang="en-GB" dirty="0"/>
-              <a:t>2: A species distribution model based approach to map the occurrence of Mastomys natalensis, accounting for species interactions to estimate hazard of spillover.</a:t>
+              <a:t>2: A mathematical model of rodent contact rates to simulate Lassa transmission on expected networks.</a:t>
+            </a:r>
+          </a:p>
+          <a:p>
+            <a:pPr lvl="1"/>
+            <a:r>
+              <a:rPr lang="en-GB" dirty="0"/>
+              <a:t>3: A species distribution model based approach to map the occurrence of Mastomys natalensis, accounting for species interactions to estimate hazard of spillover.</a:t>
             </a:r>
           </a:p>
         </p:txBody>
